--- a/Flying High Presentation_long presentation.pptx
+++ b/Flying High Presentation_long presentation.pptx
@@ -5,10 +5,14 @@
     <p:sldMasterId id="2147483648" r:id="rId1"/>
   </p:sldMasterIdLst>
   <p:notesMasterIdLst>
-    <p:notesMasterId r:id="rId3"/>
+    <p:notesMasterId r:id="rId7"/>
   </p:notesMasterIdLst>
   <p:sldIdLst>
-    <p:sldId id="256" r:id="rId2"/>
+    <p:sldId id="257" r:id="rId2"/>
+    <p:sldId id="258" r:id="rId3"/>
+    <p:sldId id="256" r:id="rId4"/>
+    <p:sldId id="259" r:id="rId5"/>
+    <p:sldId id="260" r:id="rId6"/>
   </p:sldIdLst>
   <p:sldSz cx="12192000" cy="6858000"/>
   <p:notesSz cx="6858000" cy="9144000"/>
@@ -509,394 +513,6 @@
           <a:bodyPr/>
           <a:lstStyle/>
           <a:p>
-            <a:r>
-              <a:rPr lang="en-US" sz="1800" b="1" dirty="0">
-                <a:effectLst/>
-                <a:latin typeface="Calibri" panose="020F0502020204030204" pitchFamily="34" charset="0"/>
-                <a:ea typeface="Times New Roman" panose="02020603050405020304" pitchFamily="18" charset="0"/>
-              </a:rPr>
-              <a:t>Viviane:</a:t>
-            </a:r>
-            <a:endParaRPr lang="en-CH" sz="1800" b="1" dirty="0">
-              <a:effectLst/>
-              <a:latin typeface="Times New Roman" panose="02020603050405020304" pitchFamily="18" charset="0"/>
-              <a:ea typeface="Times New Roman" panose="02020603050405020304" pitchFamily="18" charset="0"/>
-            </a:endParaRPr>
-          </a:p>
-          <a:p>
-            <a:r>
-              <a:rPr lang="en-CH" sz="1800" dirty="0">
-                <a:effectLst/>
-                <a:latin typeface="Calibri" panose="020F0502020204030204" pitchFamily="34" charset="0"/>
-                <a:ea typeface="Times New Roman" panose="02020603050405020304" pitchFamily="18" charset="0"/>
-              </a:rPr>
-              <a:t>Are you looking to boost passenger satisfaction and increase profits for your airline? Look no further than your business class </a:t>
-            </a:r>
-            <a:r>
-              <a:rPr lang="en-US" sz="1800" dirty="0">
-                <a:effectLst/>
-                <a:latin typeface="Calibri" panose="020F0502020204030204" pitchFamily="34" charset="0"/>
-                <a:ea typeface="Times New Roman" panose="02020603050405020304" pitchFamily="18" charset="0"/>
-              </a:rPr>
-              <a:t>passengers and potential business class passengers</a:t>
-            </a:r>
-            <a:r>
-              <a:rPr lang="en-CH" sz="1800" dirty="0">
-                <a:effectLst/>
-                <a:latin typeface="Calibri" panose="020F0502020204030204" pitchFamily="34" charset="0"/>
-                <a:ea typeface="Times New Roman" panose="02020603050405020304" pitchFamily="18" charset="0"/>
-              </a:rPr>
-              <a:t>. With 70% of your total profit coming from these passengers, it is clear that they're crucial to your success. </a:t>
-            </a:r>
-            <a:endParaRPr lang="en-CH" sz="1800" dirty="0">
-              <a:effectLst/>
-              <a:latin typeface="Times New Roman" panose="02020603050405020304" pitchFamily="18" charset="0"/>
-              <a:ea typeface="Times New Roman" panose="02020603050405020304" pitchFamily="18" charset="0"/>
-            </a:endParaRPr>
-          </a:p>
-          <a:p>
-            <a:r>
-              <a:rPr lang="en-US" sz="1800" dirty="0">
-                <a:effectLst/>
-                <a:latin typeface="Calibri" panose="020F0502020204030204" pitchFamily="34" charset="0"/>
-                <a:ea typeface="Times New Roman" panose="02020603050405020304" pitchFamily="18" charset="0"/>
-              </a:rPr>
-              <a:t> </a:t>
-            </a:r>
-            <a:endParaRPr lang="en-CH" sz="1800" dirty="0">
-              <a:effectLst/>
-              <a:latin typeface="Times New Roman" panose="02020603050405020304" pitchFamily="18" charset="0"/>
-              <a:ea typeface="Times New Roman" panose="02020603050405020304" pitchFamily="18" charset="0"/>
-            </a:endParaRPr>
-          </a:p>
-          <a:p>
-            <a:r>
-              <a:rPr lang="en-US" sz="1800" dirty="0">
-                <a:effectLst/>
-                <a:latin typeface="Calibri" panose="020F0502020204030204" pitchFamily="34" charset="0"/>
-                <a:ea typeface="Times New Roman" panose="02020603050405020304" pitchFamily="18" charset="0"/>
-              </a:rPr>
-              <a:t>Evidence shows that I</a:t>
-            </a:r>
-            <a:r>
-              <a:rPr lang="en-CH" sz="1800" dirty="0">
-                <a:effectLst/>
-                <a:latin typeface="Calibri" panose="020F0502020204030204" pitchFamily="34" charset="0"/>
-                <a:ea typeface="Times New Roman" panose="02020603050405020304" pitchFamily="18" charset="0"/>
-              </a:rPr>
-              <a:t>ndividuals traveling for work are significantly less satisfied in economy class than those traveling for personal reasons. However, corporate travelers are </a:t>
-            </a:r>
-            <a:r>
-              <a:rPr lang="en-US" sz="1800" dirty="0">
-                <a:effectLst/>
-                <a:latin typeface="Calibri" panose="020F0502020204030204" pitchFamily="34" charset="0"/>
-                <a:ea typeface="Times New Roman" panose="02020603050405020304" pitchFamily="18" charset="0"/>
-              </a:rPr>
-              <a:t>more</a:t>
-            </a:r>
-            <a:r>
-              <a:rPr lang="en-CH" sz="1800" dirty="0">
-                <a:effectLst/>
-                <a:latin typeface="Calibri" panose="020F0502020204030204" pitchFamily="34" charset="0"/>
-                <a:ea typeface="Times New Roman" panose="02020603050405020304" pitchFamily="18" charset="0"/>
-              </a:rPr>
-              <a:t> satisfied in business class </a:t>
-            </a:r>
-            <a:r>
-              <a:rPr lang="en-US" sz="1800" dirty="0">
-                <a:effectLst/>
-                <a:latin typeface="Calibri" panose="020F0502020204030204" pitchFamily="34" charset="0"/>
-                <a:ea typeface="Times New Roman" panose="02020603050405020304" pitchFamily="18" charset="0"/>
-              </a:rPr>
-              <a:t>than those traveling for personal reasons</a:t>
-            </a:r>
-            <a:r>
-              <a:rPr lang="en-CH" sz="1800" dirty="0">
-                <a:effectLst/>
-                <a:latin typeface="Calibri" panose="020F0502020204030204" pitchFamily="34" charset="0"/>
-                <a:ea typeface="Times New Roman" panose="02020603050405020304" pitchFamily="18" charset="0"/>
-              </a:rPr>
-              <a:t>. This suggests that the needs of corporate travelers are not being fully met in economy class, but upgrading to business class offers a better experience.</a:t>
-            </a:r>
-            <a:endParaRPr lang="en-CH" sz="1800" dirty="0">
-              <a:effectLst/>
-              <a:latin typeface="Times New Roman" panose="02020603050405020304" pitchFamily="18" charset="0"/>
-              <a:ea typeface="Times New Roman" panose="02020603050405020304" pitchFamily="18" charset="0"/>
-            </a:endParaRPr>
-          </a:p>
-          <a:p>
-            <a:r>
-              <a:rPr lang="en-CH" sz="1800" dirty="0">
-                <a:effectLst/>
-                <a:latin typeface="Calibri" panose="020F0502020204030204" pitchFamily="34" charset="0"/>
-                <a:ea typeface="Times New Roman" panose="02020603050405020304" pitchFamily="18" charset="0"/>
-              </a:rPr>
-              <a:t> </a:t>
-            </a:r>
-            <a:endParaRPr lang="en-CH" sz="1800" dirty="0">
-              <a:effectLst/>
-              <a:latin typeface="Times New Roman" panose="02020603050405020304" pitchFamily="18" charset="0"/>
-              <a:ea typeface="Times New Roman" panose="02020603050405020304" pitchFamily="18" charset="0"/>
-            </a:endParaRPr>
-          </a:p>
-          <a:p>
-            <a:r>
-              <a:rPr lang="en-CH" sz="1800">
-                <a:effectLst/>
-                <a:latin typeface="Calibri" panose="020F0502020204030204" pitchFamily="34" charset="0"/>
-                <a:ea typeface="Times New Roman" panose="02020603050405020304" pitchFamily="18" charset="0"/>
-              </a:rPr>
-              <a:t>To better understand these </a:t>
-            </a:r>
-            <a:r>
-              <a:rPr lang="en-CH" sz="1800" dirty="0">
-                <a:effectLst/>
-                <a:latin typeface="Calibri" panose="020F0502020204030204" pitchFamily="34" charset="0"/>
-                <a:ea typeface="Times New Roman" panose="02020603050405020304" pitchFamily="18" charset="0"/>
-              </a:rPr>
-              <a:t>valuable customers, we've analyzed the 'US Airline passenger satisfaction' dataset from 2015. This dataset includes ratings of 14 air travel services as well as additional information about each passenger, such as their class and type of travel. </a:t>
-            </a:r>
-            <a:r>
-              <a:rPr lang="en-US" sz="1800" dirty="0">
-                <a:effectLst/>
-                <a:latin typeface="Calibri" panose="020F0502020204030204" pitchFamily="34" charset="0"/>
-                <a:ea typeface="Times New Roman" panose="02020603050405020304" pitchFamily="18" charset="0"/>
-              </a:rPr>
-              <a:t>The 14 ranked services include airline </a:t>
-            </a:r>
-            <a:r>
-              <a:rPr lang="en-US" sz="1800" dirty="0" err="1">
-                <a:effectLst/>
-                <a:latin typeface="Calibri" panose="020F0502020204030204" pitchFamily="34" charset="0"/>
-                <a:ea typeface="Times New Roman" panose="02020603050405020304" pitchFamily="18" charset="0"/>
-              </a:rPr>
-              <a:t>backoffice</a:t>
-            </a:r>
-            <a:r>
-              <a:rPr lang="en-US" sz="1800" dirty="0">
-                <a:effectLst/>
-                <a:latin typeface="Calibri" panose="020F0502020204030204" pitchFamily="34" charset="0"/>
-                <a:ea typeface="Times New Roman" panose="02020603050405020304" pitchFamily="18" charset="0"/>
-              </a:rPr>
-              <a:t> services, airport services, in-flight-services and on-board-infrastructure. </a:t>
-            </a:r>
-            <a:endParaRPr lang="en-CH" sz="1800" dirty="0">
-              <a:effectLst/>
-              <a:latin typeface="Times New Roman" panose="02020603050405020304" pitchFamily="18" charset="0"/>
-              <a:ea typeface="Times New Roman" panose="02020603050405020304" pitchFamily="18" charset="0"/>
-            </a:endParaRPr>
-          </a:p>
-          <a:p>
-            <a:endParaRPr lang="en-CH" dirty="0"/>
-          </a:p>
-          <a:p>
-            <a:endParaRPr lang="en-CH" dirty="0"/>
-          </a:p>
-          <a:p>
-            <a:r>
-              <a:rPr lang="en-US" sz="1800" b="1" dirty="0" err="1">
-                <a:effectLst/>
-                <a:latin typeface="Calibri" panose="020F0502020204030204" pitchFamily="34" charset="0"/>
-                <a:ea typeface="Times New Roman" panose="02020603050405020304" pitchFamily="18" charset="0"/>
-              </a:rPr>
-              <a:t>Cosima</a:t>
-            </a:r>
-            <a:r>
-              <a:rPr lang="en-US" sz="1800" b="1" dirty="0">
-                <a:effectLst/>
-                <a:latin typeface="Calibri" panose="020F0502020204030204" pitchFamily="34" charset="0"/>
-                <a:ea typeface="Times New Roman" panose="02020603050405020304" pitchFamily="18" charset="0"/>
-              </a:rPr>
-              <a:t>:</a:t>
-            </a:r>
-            <a:endParaRPr lang="en-CH" sz="1800" b="1" dirty="0">
-              <a:effectLst/>
-              <a:latin typeface="Times New Roman" panose="02020603050405020304" pitchFamily="18" charset="0"/>
-              <a:ea typeface="Times New Roman" panose="02020603050405020304" pitchFamily="18" charset="0"/>
-            </a:endParaRPr>
-          </a:p>
-          <a:p>
-            <a:r>
-              <a:rPr lang="en-US" sz="1800" dirty="0">
-                <a:effectLst/>
-                <a:latin typeface="Calibri" panose="020F0502020204030204" pitchFamily="34" charset="0"/>
-                <a:ea typeface="Times New Roman" panose="02020603050405020304" pitchFamily="18" charset="0"/>
-              </a:rPr>
-              <a:t>Our aim is to</a:t>
-            </a:r>
-            <a:r>
-              <a:rPr lang="en-CH" sz="1800" dirty="0">
-                <a:effectLst/>
-                <a:latin typeface="Calibri" panose="020F0502020204030204" pitchFamily="34" charset="0"/>
-                <a:ea typeface="Times New Roman" panose="02020603050405020304" pitchFamily="18" charset="0"/>
-              </a:rPr>
-              <a:t> identify which services should be </a:t>
-            </a:r>
-            <a:r>
-              <a:rPr lang="en-CH" sz="1800" u="sng" dirty="0">
-                <a:effectLst/>
-                <a:latin typeface="Calibri" panose="020F0502020204030204" pitchFamily="34" charset="0"/>
-                <a:ea typeface="Times New Roman" panose="02020603050405020304" pitchFamily="18" charset="0"/>
-              </a:rPr>
-              <a:t>marketed</a:t>
-            </a:r>
-            <a:r>
-              <a:rPr lang="en-CH" sz="1800" dirty="0">
-                <a:effectLst/>
-                <a:latin typeface="Calibri" panose="020F0502020204030204" pitchFamily="34" charset="0"/>
-                <a:ea typeface="Times New Roman" panose="02020603050405020304" pitchFamily="18" charset="0"/>
-              </a:rPr>
-              <a:t> to </a:t>
-            </a:r>
-            <a:r>
-              <a:rPr lang="en-US" sz="1800" dirty="0">
-                <a:effectLst/>
-                <a:latin typeface="Calibri" panose="020F0502020204030204" pitchFamily="34" charset="0"/>
-                <a:ea typeface="Times New Roman" panose="02020603050405020304" pitchFamily="18" charset="0"/>
-              </a:rPr>
-              <a:t>corporate</a:t>
-            </a:r>
-            <a:r>
-              <a:rPr lang="en-CH" sz="1800" dirty="0">
-                <a:effectLst/>
-                <a:latin typeface="Calibri" panose="020F0502020204030204" pitchFamily="34" charset="0"/>
-                <a:ea typeface="Times New Roman" panose="02020603050405020304" pitchFamily="18" charset="0"/>
-              </a:rPr>
-              <a:t> travelers flying economy class to convince them to upgrade to business class. By doing so, we can enhance passenger satisfaction and drive profits for your airline. </a:t>
-            </a:r>
-            <a:endParaRPr lang="en-CH" sz="1800" dirty="0">
-              <a:effectLst/>
-              <a:latin typeface="Times New Roman" panose="02020603050405020304" pitchFamily="18" charset="0"/>
-              <a:ea typeface="Times New Roman" panose="02020603050405020304" pitchFamily="18" charset="0"/>
-            </a:endParaRPr>
-          </a:p>
-          <a:p>
-            <a:r>
-              <a:rPr lang="en-US" sz="1800" dirty="0">
-                <a:effectLst/>
-                <a:latin typeface="Calibri" panose="020F0502020204030204" pitchFamily="34" charset="0"/>
-                <a:ea typeface="Times New Roman" panose="02020603050405020304" pitchFamily="18" charset="0"/>
-              </a:rPr>
-              <a:t> </a:t>
-            </a:r>
-            <a:endParaRPr lang="en-CH" sz="1800" dirty="0">
-              <a:effectLst/>
-              <a:latin typeface="Times New Roman" panose="02020603050405020304" pitchFamily="18" charset="0"/>
-              <a:ea typeface="Times New Roman" panose="02020603050405020304" pitchFamily="18" charset="0"/>
-            </a:endParaRPr>
-          </a:p>
-          <a:p>
-            <a:r>
-              <a:rPr lang="en-CH" sz="1800" dirty="0">
-                <a:effectLst/>
-                <a:latin typeface="Calibri" panose="020F0502020204030204" pitchFamily="34" charset="0"/>
-                <a:ea typeface="Times New Roman" panose="02020603050405020304" pitchFamily="18" charset="0"/>
-              </a:rPr>
-              <a:t>To determine which airline services to </a:t>
-            </a:r>
-            <a:r>
-              <a:rPr lang="en-US" sz="1800" dirty="0">
-                <a:effectLst/>
-                <a:latin typeface="Calibri" panose="020F0502020204030204" pitchFamily="34" charset="0"/>
-                <a:ea typeface="Times New Roman" panose="02020603050405020304" pitchFamily="18" charset="0"/>
-              </a:rPr>
-              <a:t>market</a:t>
-            </a:r>
-            <a:r>
-              <a:rPr lang="en-CH" sz="1800" dirty="0">
-                <a:effectLst/>
-                <a:latin typeface="Calibri" panose="020F0502020204030204" pitchFamily="34" charset="0"/>
-                <a:ea typeface="Times New Roman" panose="02020603050405020304" pitchFamily="18" charset="0"/>
-              </a:rPr>
-              <a:t>, we </a:t>
-            </a:r>
-            <a:r>
-              <a:rPr lang="en-US" sz="1800" dirty="0">
-                <a:effectLst/>
-                <a:latin typeface="Calibri" panose="020F0502020204030204" pitchFamily="34" charset="0"/>
-                <a:ea typeface="Times New Roman" panose="02020603050405020304" pitchFamily="18" charset="0"/>
-              </a:rPr>
-              <a:t>compared</a:t>
-            </a:r>
-            <a:r>
-              <a:rPr lang="en-CH" sz="1800" dirty="0">
-                <a:effectLst/>
-                <a:latin typeface="Calibri" panose="020F0502020204030204" pitchFamily="34" charset="0"/>
-                <a:ea typeface="Times New Roman" panose="02020603050405020304" pitchFamily="18" charset="0"/>
-              </a:rPr>
-              <a:t> passenger satisfaction</a:t>
-            </a:r>
-            <a:r>
-              <a:rPr lang="en-US" sz="1800" dirty="0">
-                <a:effectLst/>
-                <a:latin typeface="Calibri" panose="020F0502020204030204" pitchFamily="34" charset="0"/>
-                <a:ea typeface="Times New Roman" panose="02020603050405020304" pitchFamily="18" charset="0"/>
-              </a:rPr>
-              <a:t> of the airline services between</a:t>
-            </a:r>
-            <a:r>
-              <a:rPr lang="en-CH" sz="1800" dirty="0">
-                <a:effectLst/>
-                <a:latin typeface="Calibri" panose="020F0502020204030204" pitchFamily="34" charset="0"/>
-                <a:ea typeface="Times New Roman" panose="02020603050405020304" pitchFamily="18" charset="0"/>
-              </a:rPr>
-              <a:t> economy and business class. We evaluated 14 different services and calculated the percentage of passengers who were satisfied or very satisfied (rated 4 or 5 on a scale) in </a:t>
-            </a:r>
-            <a:r>
-              <a:rPr lang="en-US" sz="1800" dirty="0">
-                <a:effectLst/>
-                <a:latin typeface="Calibri" panose="020F0502020204030204" pitchFamily="34" charset="0"/>
-                <a:ea typeface="Times New Roman" panose="02020603050405020304" pitchFamily="18" charset="0"/>
-              </a:rPr>
-              <a:t>this two</a:t>
-            </a:r>
-            <a:r>
-              <a:rPr lang="en-CH" sz="1800" dirty="0">
-                <a:effectLst/>
-                <a:latin typeface="Calibri" panose="020F0502020204030204" pitchFamily="34" charset="0"/>
-                <a:ea typeface="Times New Roman" panose="02020603050405020304" pitchFamily="18" charset="0"/>
-              </a:rPr>
-              <a:t> class</a:t>
-            </a:r>
-            <a:r>
-              <a:rPr lang="en-US" sz="1800" dirty="0">
-                <a:effectLst/>
-                <a:latin typeface="Calibri" panose="020F0502020204030204" pitchFamily="34" charset="0"/>
-                <a:ea typeface="Times New Roman" panose="02020603050405020304" pitchFamily="18" charset="0"/>
-              </a:rPr>
-              <a:t>es</a:t>
-            </a:r>
-            <a:r>
-              <a:rPr lang="en-CH" sz="1800" dirty="0">
-                <a:effectLst/>
-                <a:latin typeface="Calibri" panose="020F0502020204030204" pitchFamily="34" charset="0"/>
-                <a:ea typeface="Times New Roman" panose="02020603050405020304" pitchFamily="18" charset="0"/>
-              </a:rPr>
-              <a:t>. Then, we c</a:t>
-            </a:r>
-            <a:r>
-              <a:rPr lang="en-CH" sz="1800" u="sng" dirty="0">
-                <a:effectLst/>
-                <a:latin typeface="Calibri" panose="020F0502020204030204" pitchFamily="34" charset="0"/>
-                <a:ea typeface="Times New Roman" panose="02020603050405020304" pitchFamily="18" charset="0"/>
-              </a:rPr>
-              <a:t>ompared</a:t>
-            </a:r>
-            <a:r>
-              <a:rPr lang="en-CH" sz="1800" dirty="0">
-                <a:effectLst/>
-                <a:latin typeface="Calibri" panose="020F0502020204030204" pitchFamily="34" charset="0"/>
-                <a:ea typeface="Times New Roman" panose="02020603050405020304" pitchFamily="18" charset="0"/>
-              </a:rPr>
-              <a:t> the proportions between economy and business class for each service to identify the largest differences.</a:t>
-            </a:r>
-            <a:endParaRPr lang="en-CH" sz="1800" dirty="0">
-              <a:effectLst/>
-              <a:latin typeface="Times New Roman" panose="02020603050405020304" pitchFamily="18" charset="0"/>
-              <a:ea typeface="Times New Roman" panose="02020603050405020304" pitchFamily="18" charset="0"/>
-            </a:endParaRPr>
-          </a:p>
-          <a:p>
             <a:endParaRPr lang="en-CH" dirty="0"/>
           </a:p>
         </p:txBody>
@@ -919,6 +535,93 @@
             <a:fld id="{C213657F-E9E0-704C-BC01-D825157ACA77}" type="slidenum">
               <a:rPr lang="en-CH" smtClean="0"/>
               <a:t>1</a:t>
+            </a:fld>
+            <a:endParaRPr lang="en-CH"/>
+          </a:p>
+        </p:txBody>
+      </p:sp>
+    </p:spTree>
+    <p:extLst>
+      <p:ext uri="{BB962C8B-B14F-4D97-AF65-F5344CB8AC3E}">
+        <p14:creationId xmlns:p14="http://schemas.microsoft.com/office/powerpoint/2010/main" val="1642639639"/>
+      </p:ext>
+    </p:extLst>
+  </p:cSld>
+  <p:clrMapOvr>
+    <a:masterClrMapping/>
+  </p:clrMapOvr>
+</p:notes>
+</file>
+
+<file path=ppt/notesSlides/notesSlide2.xml><?xml version="1.0" encoding="utf-8"?>
+<p:notes xmlns:a="http://schemas.openxmlformats.org/drawingml/2006/main" xmlns:r="http://schemas.openxmlformats.org/officeDocument/2006/relationships" xmlns:p="http://schemas.openxmlformats.org/presentationml/2006/main">
+  <p:cSld>
+    <p:spTree>
+      <p:nvGrpSpPr>
+        <p:cNvPr id="1" name=""/>
+        <p:cNvGrpSpPr/>
+        <p:nvPr/>
+      </p:nvGrpSpPr>
+      <p:grpSpPr>
+        <a:xfrm>
+          <a:off x="0" y="0"/>
+          <a:ext cx="0" cy="0"/>
+          <a:chOff x="0" y="0"/>
+          <a:chExt cx="0" cy="0"/>
+        </a:xfrm>
+      </p:grpSpPr>
+      <p:sp>
+        <p:nvSpPr>
+          <p:cNvPr id="2" name="Slide Image Placeholder 1"/>
+          <p:cNvSpPr>
+            <a:spLocks noGrp="1" noRot="1" noChangeAspect="1"/>
+          </p:cNvSpPr>
+          <p:nvPr>
+            <p:ph type="sldImg"/>
+          </p:nvPr>
+        </p:nvSpPr>
+        <p:spPr/>
+      </p:sp>
+      <p:sp>
+        <p:nvSpPr>
+          <p:cNvPr id="3" name="Notes Placeholder 2"/>
+          <p:cNvSpPr>
+            <a:spLocks noGrp="1"/>
+          </p:cNvSpPr>
+          <p:nvPr>
+            <p:ph type="body" idx="1"/>
+          </p:nvPr>
+        </p:nvSpPr>
+        <p:spPr/>
+        <p:txBody>
+          <a:bodyPr/>
+          <a:lstStyle/>
+          <a:p>
+            <a:r>
+              <a:rPr lang="en-CH" dirty="0"/>
+              <a:t>Ideen hinter den Plots darstellen </a:t>
+            </a:r>
+          </a:p>
+        </p:txBody>
+      </p:sp>
+      <p:sp>
+        <p:nvSpPr>
+          <p:cNvPr id="4" name="Slide Number Placeholder 3"/>
+          <p:cNvSpPr>
+            <a:spLocks noGrp="1"/>
+          </p:cNvSpPr>
+          <p:nvPr>
+            <p:ph type="sldNum" sz="quarter" idx="5"/>
+          </p:nvPr>
+        </p:nvSpPr>
+        <p:spPr/>
+        <p:txBody>
+          <a:bodyPr/>
+          <a:lstStyle/>
+          <a:p>
+            <a:fld id="{C213657F-E9E0-704C-BC01-D825157ACA77}" type="slidenum">
+              <a:rPr lang="en-CH" smtClean="0"/>
+              <a:t>3</a:t>
             </a:fld>
             <a:endParaRPr lang="en-CH"/>
           </a:p>
@@ -4158,6 +3861,154 @@
 <file path=ppt/slides/slide1.xml><?xml version="1.0" encoding="utf-8"?>
 <p:sld xmlns:a="http://schemas.openxmlformats.org/drawingml/2006/main" xmlns:r="http://schemas.openxmlformats.org/officeDocument/2006/relationships" xmlns:p="http://schemas.openxmlformats.org/presentationml/2006/main">
   <p:cSld>
+    <p:spTree>
+      <p:nvGrpSpPr>
+        <p:cNvPr id="1" name=""/>
+        <p:cNvGrpSpPr/>
+        <p:nvPr/>
+      </p:nvGrpSpPr>
+      <p:grpSpPr>
+        <a:xfrm>
+          <a:off x="0" y="0"/>
+          <a:ext cx="0" cy="0"/>
+          <a:chOff x="0" y="0"/>
+          <a:chExt cx="0" cy="0"/>
+        </a:xfrm>
+      </p:grpSpPr>
+      <p:pic>
+        <p:nvPicPr>
+          <p:cNvPr id="2" name="Picture 1" descr="A group of people in a waiting area&#10;&#10;Description automatically generated with low confidence">
+            <a:extLst>
+              <a:ext uri="{FF2B5EF4-FFF2-40B4-BE49-F238E27FC236}">
+                <a16:creationId xmlns:a16="http://schemas.microsoft.com/office/drawing/2014/main" id="{D4419C94-76B9-9F65-F7BA-9E63DE98DB89}"/>
+              </a:ext>
+            </a:extLst>
+          </p:cNvPr>
+          <p:cNvPicPr>
+            <a:picLocks noChangeAspect="1"/>
+          </p:cNvPicPr>
+          <p:nvPr/>
+        </p:nvPicPr>
+        <p:blipFill rotWithShape="1">
+          <a:blip r:embed="rId3"/>
+          <a:srcRect b="19"/>
+          <a:stretch/>
+        </p:blipFill>
+        <p:spPr>
+          <a:xfrm>
+            <a:off x="20" y="1282"/>
+            <a:ext cx="12191980" cy="6856718"/>
+          </a:xfrm>
+          <a:prstGeom prst="rect">
+            <a:avLst/>
+          </a:prstGeom>
+        </p:spPr>
+      </p:pic>
+    </p:spTree>
+    <p:extLst>
+      <p:ext uri="{BB962C8B-B14F-4D97-AF65-F5344CB8AC3E}">
+        <p14:creationId xmlns:p14="http://schemas.microsoft.com/office/powerpoint/2010/main" val="690074620"/>
+      </p:ext>
+    </p:extLst>
+  </p:cSld>
+  <p:clrMapOvr>
+    <a:masterClrMapping/>
+  </p:clrMapOvr>
+</p:sld>
+</file>
+
+<file path=ppt/slides/slide2.xml><?xml version="1.0" encoding="utf-8"?>
+<p:sld xmlns:a="http://schemas.openxmlformats.org/drawingml/2006/main" xmlns:r="http://schemas.openxmlformats.org/officeDocument/2006/relationships" xmlns:p="http://schemas.openxmlformats.org/presentationml/2006/main">
+  <p:cSld>
+    <p:spTree>
+      <p:nvGrpSpPr>
+        <p:cNvPr id="1" name=""/>
+        <p:cNvGrpSpPr/>
+        <p:nvPr/>
+      </p:nvGrpSpPr>
+      <p:grpSpPr>
+        <a:xfrm>
+          <a:off x="0" y="0"/>
+          <a:ext cx="0" cy="0"/>
+          <a:chOff x="0" y="0"/>
+          <a:chExt cx="0" cy="0"/>
+        </a:xfrm>
+      </p:grpSpPr>
+      <p:sp>
+        <p:nvSpPr>
+          <p:cNvPr id="2" name="TextBox 1">
+            <a:extLst>
+              <a:ext uri="{FF2B5EF4-FFF2-40B4-BE49-F238E27FC236}">
+                <a16:creationId xmlns:a16="http://schemas.microsoft.com/office/drawing/2014/main" id="{36C98F28-8501-BA12-EF1C-3C9C993BB560}"/>
+              </a:ext>
+            </a:extLst>
+          </p:cNvPr>
+          <p:cNvSpPr txBox="1"/>
+          <p:nvPr/>
+        </p:nvSpPr>
+        <p:spPr>
+          <a:xfrm>
+            <a:off x="1274618" y="1246909"/>
+            <a:ext cx="8534400" cy="923330"/>
+          </a:xfrm>
+          <a:prstGeom prst="rect">
+            <a:avLst/>
+          </a:prstGeom>
+          <a:noFill/>
+        </p:spPr>
+        <p:txBody>
+          <a:bodyPr wrap="square" rtlCol="0">
+            <a:spAutoFit/>
+          </a:bodyPr>
+          <a:lstStyle/>
+          <a:p>
+            <a:r>
+              <a:rPr lang="en-CH" dirty="0"/>
+              <a:t>Rese</a:t>
+            </a:r>
+            <a:r>
+              <a:rPr lang="en-GB" dirty="0" err="1"/>
+              <a:t>ar</a:t>
+            </a:r>
+            <a:r>
+              <a:rPr lang="en-CH" dirty="0"/>
+              <a:t>ch Aim + motivation </a:t>
+            </a:r>
+          </a:p>
+          <a:p>
+            <a:endParaRPr lang="en-CH" dirty="0"/>
+          </a:p>
+          <a:p>
+            <a:r>
+              <a:rPr lang="en-CH" dirty="0"/>
+              <a:t>Methods:  Vorgang step by step </a:t>
+            </a:r>
+            <a:r>
+              <a:rPr lang="en-CH" dirty="0">
+                <a:sym typeface="Wingdings" pitchFamily="2" charset="2"/>
+              </a:rPr>
+              <a:t> picture of markdown file; NA’s  </a:t>
+            </a:r>
+            <a:endParaRPr lang="en-CH" dirty="0"/>
+          </a:p>
+        </p:txBody>
+      </p:sp>
+    </p:spTree>
+    <p:extLst>
+      <p:ext uri="{BB962C8B-B14F-4D97-AF65-F5344CB8AC3E}">
+        <p14:creationId xmlns:p14="http://schemas.microsoft.com/office/powerpoint/2010/main" val="835520950"/>
+      </p:ext>
+    </p:extLst>
+  </p:cSld>
+  <p:clrMapOvr>
+    <a:masterClrMapping/>
+  </p:clrMapOvr>
+</p:sld>
+</file>
+
+<file path=ppt/slides/slide3.xml><?xml version="1.0" encoding="utf-8"?>
+<p:sld xmlns:a="http://schemas.openxmlformats.org/drawingml/2006/main" xmlns:r="http://schemas.openxmlformats.org/officeDocument/2006/relationships" xmlns:p="http://schemas.openxmlformats.org/presentationml/2006/main">
+  <p:cSld>
     <p:bg>
       <p:bgPr>
         <a:solidFill>
@@ -4285,6 +4136,205 @@
     <p:extLst>
       <p:ext uri="{BB962C8B-B14F-4D97-AF65-F5344CB8AC3E}">
         <p14:creationId xmlns:p14="http://schemas.microsoft.com/office/powerpoint/2010/main" val="2632673799"/>
+      </p:ext>
+    </p:extLst>
+  </p:cSld>
+  <p:clrMapOvr>
+    <a:masterClrMapping/>
+  </p:clrMapOvr>
+</p:sld>
+</file>
+
+<file path=ppt/slides/slide4.xml><?xml version="1.0" encoding="utf-8"?>
+<p:sld xmlns:a="http://schemas.openxmlformats.org/drawingml/2006/main" xmlns:r="http://schemas.openxmlformats.org/officeDocument/2006/relationships" xmlns:p="http://schemas.openxmlformats.org/presentationml/2006/main">
+  <p:cSld>
+    <p:spTree>
+      <p:nvGrpSpPr>
+        <p:cNvPr id="1" name=""/>
+        <p:cNvGrpSpPr/>
+        <p:nvPr/>
+      </p:nvGrpSpPr>
+      <p:grpSpPr>
+        <a:xfrm>
+          <a:off x="0" y="0"/>
+          <a:ext cx="0" cy="0"/>
+          <a:chOff x="0" y="0"/>
+          <a:chExt cx="0" cy="0"/>
+        </a:xfrm>
+      </p:grpSpPr>
+      <p:sp>
+        <p:nvSpPr>
+          <p:cNvPr id="2" name="TextBox 1">
+            <a:extLst>
+              <a:ext uri="{FF2B5EF4-FFF2-40B4-BE49-F238E27FC236}">
+                <a16:creationId xmlns:a16="http://schemas.microsoft.com/office/drawing/2014/main" id="{3FB9834A-7379-C6A5-30A4-C16478F7E77D}"/>
+              </a:ext>
+            </a:extLst>
+          </p:cNvPr>
+          <p:cNvSpPr txBox="1"/>
+          <p:nvPr/>
+        </p:nvSpPr>
+        <p:spPr>
+          <a:xfrm>
+            <a:off x="2133600" y="692727"/>
+            <a:ext cx="6151418" cy="369332"/>
+          </a:xfrm>
+          <a:prstGeom prst="rect">
+            <a:avLst/>
+          </a:prstGeom>
+          <a:noFill/>
+        </p:spPr>
+        <p:txBody>
+          <a:bodyPr wrap="square" rtlCol="0">
+            <a:spAutoFit/>
+          </a:bodyPr>
+          <a:lstStyle/>
+          <a:p>
+            <a:r>
+              <a:rPr lang="en-CH" dirty="0"/>
+              <a:t>Final Plot + resultate + implications &amp; Methode  </a:t>
+            </a:r>
+          </a:p>
+        </p:txBody>
+      </p:sp>
+    </p:spTree>
+    <p:extLst>
+      <p:ext uri="{BB962C8B-B14F-4D97-AF65-F5344CB8AC3E}">
+        <p14:creationId xmlns:p14="http://schemas.microsoft.com/office/powerpoint/2010/main" val="1611678948"/>
+      </p:ext>
+    </p:extLst>
+  </p:cSld>
+  <p:clrMapOvr>
+    <a:masterClrMapping/>
+  </p:clrMapOvr>
+</p:sld>
+</file>
+
+<file path=ppt/slides/slide5.xml><?xml version="1.0" encoding="utf-8"?>
+<p:sld xmlns:a="http://schemas.openxmlformats.org/drawingml/2006/main" xmlns:r="http://schemas.openxmlformats.org/officeDocument/2006/relationships" xmlns:p="http://schemas.openxmlformats.org/presentationml/2006/main">
+  <p:cSld>
+    <p:spTree>
+      <p:nvGrpSpPr>
+        <p:cNvPr id="1" name=""/>
+        <p:cNvGrpSpPr/>
+        <p:nvPr/>
+      </p:nvGrpSpPr>
+      <p:grpSpPr>
+        <a:xfrm>
+          <a:off x="0" y="0"/>
+          <a:ext cx="0" cy="0"/>
+          <a:chOff x="0" y="0"/>
+          <a:chExt cx="0" cy="0"/>
+        </a:xfrm>
+      </p:grpSpPr>
+      <p:sp>
+        <p:nvSpPr>
+          <p:cNvPr id="2" name="TextBox 1">
+            <a:extLst>
+              <a:ext uri="{FF2B5EF4-FFF2-40B4-BE49-F238E27FC236}">
+                <a16:creationId xmlns:a16="http://schemas.microsoft.com/office/drawing/2014/main" id="{3FB9834A-7379-C6A5-30A4-C16478F7E77D}"/>
+              </a:ext>
+            </a:extLst>
+          </p:cNvPr>
+          <p:cNvSpPr txBox="1"/>
+          <p:nvPr/>
+        </p:nvSpPr>
+        <p:spPr>
+          <a:xfrm>
+            <a:off x="2133600" y="692727"/>
+            <a:ext cx="6151418" cy="3693319"/>
+          </a:xfrm>
+          <a:prstGeom prst="rect">
+            <a:avLst/>
+          </a:prstGeom>
+          <a:noFill/>
+        </p:spPr>
+        <p:txBody>
+          <a:bodyPr wrap="square" rtlCol="0">
+            <a:spAutoFit/>
+          </a:bodyPr>
+          <a:lstStyle/>
+          <a:p>
+            <a:r>
+              <a:rPr lang="en-CH" dirty="0"/>
+              <a:t>Limitations </a:t>
+            </a:r>
+          </a:p>
+          <a:p>
+            <a:endParaRPr lang="en-CH" dirty="0"/>
+          </a:p>
+          <a:p>
+            <a:endParaRPr lang="en-CH" dirty="0"/>
+          </a:p>
+          <a:p>
+            <a:endParaRPr lang="en-CH" dirty="0"/>
+          </a:p>
+          <a:p>
+            <a:pPr marL="285750" indent="-285750">
+              <a:buFont typeface="Wingdings" pitchFamily="2" charset="2"/>
+              <a:buChar char="à"/>
+            </a:pPr>
+            <a:r>
+              <a:rPr lang="en-CH" dirty="0">
+                <a:sym typeface="Wingdings" pitchFamily="2" charset="2"/>
+              </a:rPr>
+              <a:t>Data set precovid 2015: airtravel might have changed quite a bit</a:t>
+            </a:r>
+          </a:p>
+          <a:p>
+            <a:pPr marL="285750" indent="-285750">
+              <a:buFont typeface="Wingdings" pitchFamily="2" charset="2"/>
+              <a:buChar char="à"/>
+            </a:pPr>
+            <a:endParaRPr lang="en-CH" dirty="0"/>
+          </a:p>
+          <a:p>
+            <a:pPr marL="285750" indent="-285750">
+              <a:buFont typeface="Wingdings" pitchFamily="2" charset="2"/>
+              <a:buChar char="à"/>
+            </a:pPr>
+            <a:endParaRPr lang="en-CH" dirty="0"/>
+          </a:p>
+          <a:p>
+            <a:pPr marL="285750" indent="-285750">
+              <a:buFont typeface="Wingdings" pitchFamily="2" charset="2"/>
+              <a:buChar char="à"/>
+            </a:pPr>
+            <a:endParaRPr lang="en-CH" dirty="0"/>
+          </a:p>
+          <a:p>
+            <a:pPr marL="285750" indent="-285750">
+              <a:buFont typeface="Wingdings" pitchFamily="2" charset="2"/>
+              <a:buChar char="à"/>
+            </a:pPr>
+            <a:endParaRPr lang="en-CH" dirty="0"/>
+          </a:p>
+          <a:p>
+            <a:r>
+              <a:rPr lang="en-CH" dirty="0"/>
+              <a:t>Relektion</a:t>
+            </a:r>
+          </a:p>
+          <a:p>
+            <a:r>
+              <a:rPr lang="en-CH" dirty="0"/>
+              <a:t>- </a:t>
+            </a:r>
+            <a:r>
+              <a:rPr lang="en-GB" dirty="0"/>
+              <a:t>N</a:t>
+            </a:r>
+            <a:r>
+              <a:rPr lang="en-CH" dirty="0"/>
+              <a:t>icht immer inferenzstatistik betreiben (haben wir direkt gemacht) </a:t>
+            </a:r>
+          </a:p>
+        </p:txBody>
+      </p:sp>
+    </p:spTree>
+    <p:extLst>
+      <p:ext uri="{BB962C8B-B14F-4D97-AF65-F5344CB8AC3E}">
+        <p14:creationId xmlns:p14="http://schemas.microsoft.com/office/powerpoint/2010/main" val="3668802887"/>
       </p:ext>
     </p:extLst>
   </p:cSld>

--- a/Flying High Presentation_long presentation.pptx
+++ b/Flying High Presentation_long presentation.pptx
@@ -5,14 +5,15 @@
     <p:sldMasterId id="2147483648" r:id="rId1"/>
   </p:sldMasterIdLst>
   <p:notesMasterIdLst>
-    <p:notesMasterId r:id="rId7"/>
+    <p:notesMasterId r:id="rId8"/>
   </p:notesMasterIdLst>
   <p:sldIdLst>
     <p:sldId id="257" r:id="rId2"/>
     <p:sldId id="258" r:id="rId3"/>
-    <p:sldId id="256" r:id="rId4"/>
-    <p:sldId id="259" r:id="rId5"/>
-    <p:sldId id="260" r:id="rId6"/>
+    <p:sldId id="261" r:id="rId4"/>
+    <p:sldId id="256" r:id="rId5"/>
+    <p:sldId id="259" r:id="rId6"/>
+    <p:sldId id="260" r:id="rId7"/>
   </p:sldIdLst>
   <p:sldSz cx="12192000" cy="6858000"/>
   <p:notesSz cx="6858000" cy="9144000"/>
@@ -597,10 +598,7 @@
           <a:bodyPr/>
           <a:lstStyle/>
           <a:p>
-            <a:r>
-              <a:rPr lang="en-CH" dirty="0"/>
-              <a:t>Ideen hinter den Plots darstellen </a:t>
-            </a:r>
+            <a:endParaRPr lang="en-CH" dirty="0"/>
           </a:p>
         </p:txBody>
       </p:sp>
@@ -622,6 +620,93 @@
             <a:fld id="{C213657F-E9E0-704C-BC01-D825157ACA77}" type="slidenum">
               <a:rPr lang="en-CH" smtClean="0"/>
               <a:t>3</a:t>
+            </a:fld>
+            <a:endParaRPr lang="en-CH"/>
+          </a:p>
+        </p:txBody>
+      </p:sp>
+    </p:spTree>
+    <p:extLst>
+      <p:ext uri="{BB962C8B-B14F-4D97-AF65-F5344CB8AC3E}">
+        <p14:creationId xmlns:p14="http://schemas.microsoft.com/office/powerpoint/2010/main" val="3333128833"/>
+      </p:ext>
+    </p:extLst>
+  </p:cSld>
+  <p:clrMapOvr>
+    <a:masterClrMapping/>
+  </p:clrMapOvr>
+</p:notes>
+</file>
+
+<file path=ppt/notesSlides/notesSlide3.xml><?xml version="1.0" encoding="utf-8"?>
+<p:notes xmlns:a="http://schemas.openxmlformats.org/drawingml/2006/main" xmlns:r="http://schemas.openxmlformats.org/officeDocument/2006/relationships" xmlns:p="http://schemas.openxmlformats.org/presentationml/2006/main">
+  <p:cSld>
+    <p:spTree>
+      <p:nvGrpSpPr>
+        <p:cNvPr id="1" name=""/>
+        <p:cNvGrpSpPr/>
+        <p:nvPr/>
+      </p:nvGrpSpPr>
+      <p:grpSpPr>
+        <a:xfrm>
+          <a:off x="0" y="0"/>
+          <a:ext cx="0" cy="0"/>
+          <a:chOff x="0" y="0"/>
+          <a:chExt cx="0" cy="0"/>
+        </a:xfrm>
+      </p:grpSpPr>
+      <p:sp>
+        <p:nvSpPr>
+          <p:cNvPr id="2" name="Slide Image Placeholder 1"/>
+          <p:cNvSpPr>
+            <a:spLocks noGrp="1" noRot="1" noChangeAspect="1"/>
+          </p:cNvSpPr>
+          <p:nvPr>
+            <p:ph type="sldImg"/>
+          </p:nvPr>
+        </p:nvSpPr>
+        <p:spPr/>
+      </p:sp>
+      <p:sp>
+        <p:nvSpPr>
+          <p:cNvPr id="3" name="Notes Placeholder 2"/>
+          <p:cNvSpPr>
+            <a:spLocks noGrp="1"/>
+          </p:cNvSpPr>
+          <p:nvPr>
+            <p:ph type="body" idx="1"/>
+          </p:nvPr>
+        </p:nvSpPr>
+        <p:spPr/>
+        <p:txBody>
+          <a:bodyPr/>
+          <a:lstStyle/>
+          <a:p>
+            <a:r>
+              <a:rPr lang="en-CH" dirty="0"/>
+              <a:t>Ideen hinter den Plots darstellen </a:t>
+            </a:r>
+          </a:p>
+        </p:txBody>
+      </p:sp>
+      <p:sp>
+        <p:nvSpPr>
+          <p:cNvPr id="4" name="Slide Number Placeholder 3"/>
+          <p:cNvSpPr>
+            <a:spLocks noGrp="1"/>
+          </p:cNvSpPr>
+          <p:nvPr>
+            <p:ph type="sldNum" sz="quarter" idx="5"/>
+          </p:nvPr>
+        </p:nvSpPr>
+        <p:spPr/>
+        <p:txBody>
+          <a:bodyPr/>
+          <a:lstStyle/>
+          <a:p>
+            <a:fld id="{C213657F-E9E0-704C-BC01-D825157ACA77}" type="slidenum">
+              <a:rPr lang="en-CH" smtClean="0"/>
+              <a:t>4</a:t>
             </a:fld>
             <a:endParaRPr lang="en-CH"/>
           </a:p>
@@ -3948,8 +4033,8 @@
         </p:nvSpPr>
         <p:spPr>
           <a:xfrm>
-            <a:off x="1274618" y="1246909"/>
-            <a:ext cx="8534400" cy="923330"/>
+            <a:off x="757784" y="1085242"/>
+            <a:ext cx="8534400" cy="4801314"/>
           </a:xfrm>
           <a:prstGeom prst="rect">
             <a:avLst/>
@@ -3976,19 +4061,167 @@
             </a:r>
           </a:p>
           <a:p>
+            <a:r>
+              <a:rPr lang="en-CH" sz="1800" dirty="0">
+                <a:effectLst/>
+                <a:latin typeface="Calibri" panose="020F0502020204030204" pitchFamily="34" charset="0"/>
+                <a:ea typeface="Times New Roman" panose="02020603050405020304" pitchFamily="18" charset="0"/>
+              </a:rPr>
+              <a:t>Are you looking to boost passenger satisfaction and increase profits for your airline? Look no further than your business class </a:t>
+            </a:r>
+            <a:r>
+              <a:rPr lang="en-US" sz="1800" dirty="0">
+                <a:effectLst/>
+                <a:latin typeface="Calibri" panose="020F0502020204030204" pitchFamily="34" charset="0"/>
+                <a:ea typeface="Times New Roman" panose="02020603050405020304" pitchFamily="18" charset="0"/>
+              </a:rPr>
+              <a:t>passengers and potential business class passengers</a:t>
+            </a:r>
+            <a:r>
+              <a:rPr lang="en-CH" sz="1800" dirty="0">
+                <a:effectLst/>
+                <a:latin typeface="Calibri" panose="020F0502020204030204" pitchFamily="34" charset="0"/>
+                <a:ea typeface="Times New Roman" panose="02020603050405020304" pitchFamily="18" charset="0"/>
+              </a:rPr>
+              <a:t>. With 70% of your total profit coming from these passengers, it's clear that they're crucial to your success. </a:t>
+            </a:r>
+            <a:endParaRPr lang="en-CH" sz="1800" dirty="0">
+              <a:effectLst/>
+              <a:latin typeface="Times New Roman" panose="02020603050405020304" pitchFamily="18" charset="0"/>
+              <a:ea typeface="Times New Roman" panose="02020603050405020304" pitchFamily="18" charset="0"/>
+            </a:endParaRPr>
+          </a:p>
+          <a:p>
+            <a:r>
+              <a:rPr lang="en-CH" sz="1800" dirty="0">
+                <a:effectLst/>
+                <a:latin typeface="Calibri" panose="020F0502020204030204" pitchFamily="34" charset="0"/>
+                <a:ea typeface="Times New Roman" panose="02020603050405020304" pitchFamily="18" charset="0"/>
+              </a:rPr>
+              <a:t>Given the potential decrease in air travel due to climate change, it becomes </a:t>
+            </a:r>
+            <a:r>
+              <a:rPr lang="en-US" sz="1800" dirty="0">
+                <a:effectLst/>
+                <a:latin typeface="Calibri" panose="020F0502020204030204" pitchFamily="34" charset="0"/>
+                <a:ea typeface="Times New Roman" panose="02020603050405020304" pitchFamily="18" charset="0"/>
+              </a:rPr>
+              <a:t>vital</a:t>
+            </a:r>
+            <a:r>
+              <a:rPr lang="en-CH" sz="1800" dirty="0">
+                <a:effectLst/>
+                <a:latin typeface="Calibri" panose="020F0502020204030204" pitchFamily="34" charset="0"/>
+                <a:ea typeface="Times New Roman" panose="02020603050405020304" pitchFamily="18" charset="0"/>
+              </a:rPr>
+              <a:t> to focus on customer satisfaction in order to stay ahead of the competition.</a:t>
+            </a:r>
+          </a:p>
+          <a:p>
+            <a:endParaRPr lang="en-CH" dirty="0">
+              <a:latin typeface="Calibri" panose="020F0502020204030204" pitchFamily="34" charset="0"/>
+              <a:ea typeface="Times New Roman" panose="02020603050405020304" pitchFamily="18" charset="0"/>
+            </a:endParaRPr>
+          </a:p>
+          <a:p>
+            <a:r>
+              <a:rPr lang="en-US" sz="1800" dirty="0">
+                <a:effectLst/>
+                <a:latin typeface="Calibri" panose="020F0502020204030204" pitchFamily="34" charset="0"/>
+                <a:ea typeface="Times New Roman" panose="02020603050405020304" pitchFamily="18" charset="0"/>
+              </a:rPr>
+              <a:t> </a:t>
+            </a:r>
+            <a:endParaRPr lang="en-CH" sz="1800" dirty="0">
+              <a:effectLst/>
+              <a:latin typeface="Times New Roman" panose="02020603050405020304" pitchFamily="18" charset="0"/>
+              <a:ea typeface="Times New Roman" panose="02020603050405020304" pitchFamily="18" charset="0"/>
+            </a:endParaRPr>
+          </a:p>
+          <a:p>
+            <a:r>
+              <a:rPr lang="en-US" sz="1800" dirty="0">
+                <a:effectLst/>
+                <a:latin typeface="Calibri" panose="020F0502020204030204" pitchFamily="34" charset="0"/>
+                <a:ea typeface="Times New Roman" panose="02020603050405020304" pitchFamily="18" charset="0"/>
+              </a:rPr>
+              <a:t>Our aim is to</a:t>
+            </a:r>
+            <a:r>
+              <a:rPr lang="en-CH" sz="1800" dirty="0">
+                <a:effectLst/>
+                <a:latin typeface="Calibri" panose="020F0502020204030204" pitchFamily="34" charset="0"/>
+                <a:ea typeface="Times New Roman" panose="02020603050405020304" pitchFamily="18" charset="0"/>
+              </a:rPr>
+              <a:t> identify which services should be </a:t>
+            </a:r>
+            <a:r>
+              <a:rPr lang="en-CH" sz="1800" u="sng" dirty="0">
+                <a:effectLst/>
+                <a:latin typeface="Calibri" panose="020F0502020204030204" pitchFamily="34" charset="0"/>
+                <a:ea typeface="Times New Roman" panose="02020603050405020304" pitchFamily="18" charset="0"/>
+              </a:rPr>
+              <a:t>marketed</a:t>
+            </a:r>
+            <a:r>
+              <a:rPr lang="en-CH" sz="1800" dirty="0">
+                <a:effectLst/>
+                <a:latin typeface="Calibri" panose="020F0502020204030204" pitchFamily="34" charset="0"/>
+                <a:ea typeface="Times New Roman" panose="02020603050405020304" pitchFamily="18" charset="0"/>
+              </a:rPr>
+              <a:t> to </a:t>
+            </a:r>
+            <a:r>
+              <a:rPr lang="en-US" sz="1800" dirty="0">
+                <a:effectLst/>
+                <a:latin typeface="Calibri" panose="020F0502020204030204" pitchFamily="34" charset="0"/>
+                <a:ea typeface="Times New Roman" panose="02020603050405020304" pitchFamily="18" charset="0"/>
+              </a:rPr>
+              <a:t>corporate</a:t>
+            </a:r>
+            <a:r>
+              <a:rPr lang="en-CH" sz="1800" dirty="0">
+                <a:effectLst/>
+                <a:latin typeface="Calibri" panose="020F0502020204030204" pitchFamily="34" charset="0"/>
+                <a:ea typeface="Times New Roman" panose="02020603050405020304" pitchFamily="18" charset="0"/>
+              </a:rPr>
+              <a:t> travelers flying economy class to convince them to upgrade to business class. By doing so, we can enhance passenger satisfaction and drive profits for your airline. </a:t>
+            </a:r>
+            <a:endParaRPr lang="en-CH" sz="1800" dirty="0">
+              <a:effectLst/>
+              <a:latin typeface="Times New Roman" panose="02020603050405020304" pitchFamily="18" charset="0"/>
+              <a:ea typeface="Times New Roman" panose="02020603050405020304" pitchFamily="18" charset="0"/>
+            </a:endParaRPr>
+          </a:p>
+          <a:p>
+            <a:endParaRPr lang="en-CH" sz="1800" dirty="0">
+              <a:effectLst/>
+              <a:latin typeface="Times New Roman" panose="02020603050405020304" pitchFamily="18" charset="0"/>
+              <a:ea typeface="Times New Roman" panose="02020603050405020304" pitchFamily="18" charset="0"/>
+            </a:endParaRPr>
+          </a:p>
+          <a:p>
             <a:endParaRPr lang="en-CH" dirty="0"/>
           </a:p>
           <a:p>
+            <a:endParaRPr lang="en-CH" dirty="0"/>
+          </a:p>
+          <a:p>
             <a:r>
               <a:rPr lang="en-CH" dirty="0"/>
-              <a:t>Methods:  Vorgang step by step </a:t>
-            </a:r>
-            <a:r>
-              <a:rPr lang="en-CH" dirty="0">
-                <a:sym typeface="Wingdings" pitchFamily="2" charset="2"/>
+              <a:t>Dataset: </a:t>
+            </a:r>
+            <a:r>
+              <a:rPr lang="en-CH" sz="1800" dirty="0">
+                <a:effectLst/>
+                <a:latin typeface="Calibri" panose="020F0502020204030204" pitchFamily="34" charset="0"/>
+                <a:ea typeface="Times New Roman" panose="02020603050405020304" pitchFamily="18" charset="0"/>
               </a:rPr>
-              <a:t> picture of markdown file; NA’s  </a:t>
-            </a:r>
+              <a:t>'US Airline passenger satisfaction’ 2015 </a:t>
+            </a:r>
+            <a:endParaRPr lang="en-CH" dirty="0"/>
+          </a:p>
+          <a:p>
             <a:endParaRPr lang="en-CH" dirty="0"/>
           </a:p>
         </p:txBody>
@@ -4007,6 +4240,323 @@
 </file>
 
 <file path=ppt/slides/slide3.xml><?xml version="1.0" encoding="utf-8"?>
+<p:sld xmlns:a="http://schemas.openxmlformats.org/drawingml/2006/main" xmlns:r="http://schemas.openxmlformats.org/officeDocument/2006/relationships" xmlns:p="http://schemas.openxmlformats.org/presentationml/2006/main">
+  <p:cSld>
+    <p:spTree>
+      <p:nvGrpSpPr>
+        <p:cNvPr id="1" name=""/>
+        <p:cNvGrpSpPr/>
+        <p:nvPr/>
+      </p:nvGrpSpPr>
+      <p:grpSpPr>
+        <a:xfrm>
+          <a:off x="0" y="0"/>
+          <a:ext cx="0" cy="0"/>
+          <a:chOff x="0" y="0"/>
+          <a:chExt cx="0" cy="0"/>
+        </a:xfrm>
+      </p:grpSpPr>
+      <p:sp>
+        <p:nvSpPr>
+          <p:cNvPr id="2" name="TextBox 1">
+            <a:extLst>
+              <a:ext uri="{FF2B5EF4-FFF2-40B4-BE49-F238E27FC236}">
+                <a16:creationId xmlns:a16="http://schemas.microsoft.com/office/drawing/2014/main" id="{36C98F28-8501-BA12-EF1C-3C9C993BB560}"/>
+              </a:ext>
+            </a:extLst>
+          </p:cNvPr>
+          <p:cNvSpPr txBox="1"/>
+          <p:nvPr/>
+        </p:nvSpPr>
+        <p:spPr>
+          <a:xfrm>
+            <a:off x="426479" y="197346"/>
+            <a:ext cx="8534400" cy="5909310"/>
+          </a:xfrm>
+          <a:prstGeom prst="rect">
+            <a:avLst/>
+          </a:prstGeom>
+          <a:noFill/>
+        </p:spPr>
+        <p:txBody>
+          <a:bodyPr wrap="square" rtlCol="0">
+            <a:spAutoFit/>
+          </a:bodyPr>
+          <a:lstStyle/>
+          <a:p>
+            <a:r>
+              <a:rPr lang="en-CH" dirty="0"/>
+              <a:t>Methods:  Vorgang step by step </a:t>
+            </a:r>
+            <a:r>
+              <a:rPr lang="en-CH" dirty="0">
+                <a:sym typeface="Wingdings" pitchFamily="2" charset="2"/>
+              </a:rPr>
+              <a:t> picture of markdown file; NA’s</a:t>
+            </a:r>
+          </a:p>
+          <a:p>
+            <a:endParaRPr lang="en-CH" dirty="0">
+              <a:sym typeface="Wingdings" pitchFamily="2" charset="2"/>
+            </a:endParaRPr>
+          </a:p>
+          <a:p>
+            <a:endParaRPr lang="en-CH" dirty="0">
+              <a:sym typeface="Wingdings" pitchFamily="2" charset="2"/>
+            </a:endParaRPr>
+          </a:p>
+          <a:p>
+            <a:r>
+              <a:rPr lang="en-CH" dirty="0">
+                <a:sym typeface="Wingdings" pitchFamily="2" charset="2"/>
+              </a:rPr>
+              <a:t>1) Data Wrangling:</a:t>
+            </a:r>
+          </a:p>
+          <a:p>
+            <a:pPr marL="285750" indent="-285750">
+              <a:buFont typeface="Arial" panose="020B0604020202020204" pitchFamily="34" charset="0"/>
+              <a:buChar char="•"/>
+            </a:pPr>
+            <a:r>
+              <a:rPr lang="en-CH" dirty="0">
+                <a:sym typeface="Wingdings" pitchFamily="2" charset="2"/>
+              </a:rPr>
+              <a:t>Created subset only with necessary variables </a:t>
+            </a:r>
+          </a:p>
+          <a:p>
+            <a:pPr marL="285750" indent="-285750">
+              <a:buFont typeface="Arial" panose="020B0604020202020204" pitchFamily="34" charset="0"/>
+              <a:buChar char="•"/>
+            </a:pPr>
+            <a:r>
+              <a:rPr lang="en-CH" dirty="0">
+                <a:sym typeface="Wingdings" pitchFamily="2" charset="2"/>
+              </a:rPr>
+              <a:t>NA’s analysis: </a:t>
+            </a:r>
+            <a:r>
+              <a:rPr lang="en-US" dirty="0">
+                <a:latin typeface="Calibri" panose="020F0502020204030204" pitchFamily="34" charset="0"/>
+                <a:sym typeface="Wingdings" pitchFamily="2" charset="2"/>
+              </a:rPr>
+              <a:t>F</a:t>
+            </a:r>
+            <a:r>
+              <a:rPr lang="en-US" sz="1800" dirty="0">
+                <a:effectLst/>
+                <a:latin typeface="Calibri" panose="020F0502020204030204" pitchFamily="34" charset="0"/>
+                <a:ea typeface="Times New Roman" panose="02020603050405020304" pitchFamily="18" charset="0"/>
+              </a:rPr>
+              <a:t>or each satisfaction variable: between mind. 0% ; max: 5.14% (mean: 0.8%) </a:t>
+            </a:r>
+          </a:p>
+          <a:p>
+            <a:pPr marL="285750" indent="-285750">
+              <a:buFont typeface="Arial" panose="020B0604020202020204" pitchFamily="34" charset="0"/>
+              <a:buChar char="•"/>
+            </a:pPr>
+            <a:r>
+              <a:rPr lang="en-US" dirty="0">
+                <a:latin typeface="Calibri" panose="020F0502020204030204" pitchFamily="34" charset="0"/>
+                <a:ea typeface="Times New Roman" panose="02020603050405020304" pitchFamily="18" charset="0"/>
+              </a:rPr>
+              <a:t>Final plot only works with data from corporate travelers </a:t>
+            </a:r>
+            <a:endParaRPr lang="en-US" sz="1800" dirty="0">
+              <a:effectLst/>
+              <a:latin typeface="Calibri" panose="020F0502020204030204" pitchFamily="34" charset="0"/>
+              <a:ea typeface="Times New Roman" panose="02020603050405020304" pitchFamily="18" charset="0"/>
+            </a:endParaRPr>
+          </a:p>
+          <a:p>
+            <a:pPr marL="285750" indent="-285750">
+              <a:buFont typeface="Arial" panose="020B0604020202020204" pitchFamily="34" charset="0"/>
+              <a:buChar char="•"/>
+            </a:pPr>
+            <a:endParaRPr lang="en-US" dirty="0">
+              <a:latin typeface="Calibri" panose="020F0502020204030204" pitchFamily="34" charset="0"/>
+              <a:sym typeface="Wingdings" pitchFamily="2" charset="2"/>
+            </a:endParaRPr>
+          </a:p>
+          <a:p>
+            <a:pPr marL="285750" indent="-285750">
+              <a:buFont typeface="Arial" panose="020B0604020202020204" pitchFamily="34" charset="0"/>
+              <a:buChar char="•"/>
+            </a:pPr>
+            <a:endParaRPr lang="en-US" dirty="0">
+              <a:latin typeface="Calibri" panose="020F0502020204030204" pitchFamily="34" charset="0"/>
+              <a:sym typeface="Wingdings" pitchFamily="2" charset="2"/>
+            </a:endParaRPr>
+          </a:p>
+          <a:p>
+            <a:r>
+              <a:rPr lang="en-US" dirty="0">
+                <a:latin typeface="Calibri" panose="020F0502020204030204" pitchFamily="34" charset="0"/>
+                <a:sym typeface="Wingdings" pitchFamily="2" charset="2"/>
+              </a:rPr>
+              <a:t>2) Generate first Insight: </a:t>
+            </a:r>
+          </a:p>
+          <a:p>
+            <a:pPr marL="285750" indent="-285750">
+              <a:buFont typeface="Arial" panose="020B0604020202020204" pitchFamily="34" charset="0"/>
+              <a:buChar char="•"/>
+            </a:pPr>
+            <a:r>
+              <a:rPr lang="en-US" dirty="0">
+                <a:latin typeface="Calibri" panose="020F0502020204030204" pitchFamily="34" charset="0"/>
+                <a:sym typeface="Wingdings" pitchFamily="2" charset="2"/>
+              </a:rPr>
+              <a:t>Investigated the different mean satisfaction between corporate and personal </a:t>
+            </a:r>
+            <a:r>
+              <a:rPr lang="en-US" dirty="0" err="1">
+                <a:latin typeface="Calibri" panose="020F0502020204030204" pitchFamily="34" charset="0"/>
+                <a:sym typeface="Wingdings" pitchFamily="2" charset="2"/>
+              </a:rPr>
+              <a:t>travellers</a:t>
+            </a:r>
+            <a:r>
+              <a:rPr lang="en-US" dirty="0">
+                <a:latin typeface="Calibri" panose="020F0502020204030204" pitchFamily="34" charset="0"/>
+                <a:sym typeface="Wingdings" pitchFamily="2" charset="2"/>
+              </a:rPr>
+              <a:t> between Business and Eco class:</a:t>
+            </a:r>
+          </a:p>
+          <a:p>
+            <a:pPr marL="742950" lvl="1" indent="-285750">
+              <a:buFont typeface="Arial" panose="020B0604020202020204" pitchFamily="34" charset="0"/>
+              <a:buChar char="•"/>
+            </a:pPr>
+            <a:r>
+              <a:rPr lang="en-US" dirty="0">
+                <a:latin typeface="Calibri" panose="020F0502020204030204" pitchFamily="34" charset="0"/>
+                <a:sym typeface="Wingdings" pitchFamily="2" charset="2"/>
+              </a:rPr>
+              <a:t>Corporate travelers were less satisfied in </a:t>
+            </a:r>
+            <a:r>
+              <a:rPr lang="en-US" dirty="0" err="1">
+                <a:latin typeface="Calibri" panose="020F0502020204030204" pitchFamily="34" charset="0"/>
+                <a:sym typeface="Wingdings" pitchFamily="2" charset="2"/>
+              </a:rPr>
+              <a:t>economoy</a:t>
+            </a:r>
+            <a:r>
+              <a:rPr lang="en-US" dirty="0">
+                <a:latin typeface="Calibri" panose="020F0502020204030204" pitchFamily="34" charset="0"/>
+                <a:sym typeface="Wingdings" pitchFamily="2" charset="2"/>
+              </a:rPr>
+              <a:t> class than personal travelers</a:t>
+            </a:r>
+          </a:p>
+          <a:p>
+            <a:pPr marL="742950" lvl="1" indent="-285750">
+              <a:buFont typeface="Arial" panose="020B0604020202020204" pitchFamily="34" charset="0"/>
+              <a:buChar char="•"/>
+            </a:pPr>
+            <a:r>
+              <a:rPr lang="en-US" dirty="0">
+                <a:latin typeface="Calibri" panose="020F0502020204030204" pitchFamily="34" charset="0"/>
+                <a:sym typeface="Wingdings" pitchFamily="2" charset="2"/>
+              </a:rPr>
+              <a:t>Corporate travelers were more satisfied in business class than personal travelers</a:t>
+            </a:r>
+          </a:p>
+          <a:p>
+            <a:pPr marL="742950" lvl="1" indent="-285750">
+              <a:buFont typeface="Arial" panose="020B0604020202020204" pitchFamily="34" charset="0"/>
+              <a:buChar char="•"/>
+            </a:pPr>
+            <a:r>
+              <a:rPr lang="en-US" dirty="0">
+                <a:latin typeface="Calibri" panose="020F0502020204030204" pitchFamily="34" charset="0"/>
+                <a:sym typeface="Wingdings" pitchFamily="2" charset="2"/>
+              </a:rPr>
+              <a:t>- Needs of corporate travelers are not fully met in </a:t>
+            </a:r>
+            <a:r>
+              <a:rPr lang="en-US" dirty="0" err="1">
+                <a:latin typeface="Calibri" panose="020F0502020204030204" pitchFamily="34" charset="0"/>
+                <a:sym typeface="Wingdings" pitchFamily="2" charset="2"/>
+              </a:rPr>
+              <a:t>economoy</a:t>
+            </a:r>
+            <a:r>
+              <a:rPr lang="en-US" dirty="0">
+                <a:latin typeface="Calibri" panose="020F0502020204030204" pitchFamily="34" charset="0"/>
+                <a:sym typeface="Wingdings" pitchFamily="2" charset="2"/>
+              </a:rPr>
+              <a:t> class &amp; they would be more </a:t>
+            </a:r>
+            <a:r>
+              <a:rPr lang="en-US" dirty="0" err="1">
+                <a:latin typeface="Calibri" panose="020F0502020204030204" pitchFamily="34" charset="0"/>
+                <a:sym typeface="Wingdings" pitchFamily="2" charset="2"/>
+              </a:rPr>
+              <a:t>satifisied</a:t>
+            </a:r>
+            <a:r>
+              <a:rPr lang="en-US" dirty="0">
+                <a:latin typeface="Calibri" panose="020F0502020204030204" pitchFamily="34" charset="0"/>
+                <a:sym typeface="Wingdings" pitchFamily="2" charset="2"/>
+              </a:rPr>
+              <a:t> upgrading to business class </a:t>
+            </a:r>
+          </a:p>
+          <a:p>
+            <a:pPr lvl="1"/>
+            <a:endParaRPr lang="en-US" dirty="0">
+              <a:latin typeface="Calibri" panose="020F0502020204030204" pitchFamily="34" charset="0"/>
+              <a:sym typeface="Wingdings" pitchFamily="2" charset="2"/>
+            </a:endParaRPr>
+          </a:p>
+          <a:p>
+            <a:pPr lvl="1"/>
+            <a:r>
+              <a:rPr lang="en-US" dirty="0">
+                <a:latin typeface="Calibri" panose="020F0502020204030204" pitchFamily="34" charset="0"/>
+                <a:sym typeface="Wingdings" pitchFamily="2" charset="2"/>
+              </a:rPr>
+              <a:t>Tried a few plots to answer our research question: (following slides)</a:t>
+            </a:r>
+          </a:p>
+          <a:p>
+            <a:pPr marL="742950" lvl="1" indent="-285750">
+              <a:buFont typeface="Arial" panose="020B0604020202020204" pitchFamily="34" charset="0"/>
+              <a:buChar char="•"/>
+            </a:pPr>
+            <a:endParaRPr lang="en-US" dirty="0">
+              <a:latin typeface="Calibri" panose="020F0502020204030204" pitchFamily="34" charset="0"/>
+              <a:sym typeface="Wingdings" pitchFamily="2" charset="2"/>
+            </a:endParaRPr>
+          </a:p>
+          <a:p>
+            <a:pPr marL="285750" indent="-285750">
+              <a:buFont typeface="Arial" panose="020B0604020202020204" pitchFamily="34" charset="0"/>
+              <a:buChar char="•"/>
+            </a:pPr>
+            <a:endParaRPr lang="en-CH" dirty="0"/>
+          </a:p>
+        </p:txBody>
+      </p:sp>
+    </p:spTree>
+    <p:extLst>
+      <p:ext uri="{BB962C8B-B14F-4D97-AF65-F5344CB8AC3E}">
+        <p14:creationId xmlns:p14="http://schemas.microsoft.com/office/powerpoint/2010/main" val="2115413948"/>
+      </p:ext>
+    </p:extLst>
+  </p:cSld>
+  <p:clrMapOvr>
+    <a:masterClrMapping/>
+  </p:clrMapOvr>
+</p:sld>
+</file>
+
+<file path=ppt/slides/slide4.xml><?xml version="1.0" encoding="utf-8"?>
 <p:sld xmlns:a="http://schemas.openxmlformats.org/drawingml/2006/main" xmlns:r="http://schemas.openxmlformats.org/officeDocument/2006/relationships" xmlns:p="http://schemas.openxmlformats.org/presentationml/2006/main">
   <p:cSld>
     <p:bg>
@@ -4145,7 +4695,7 @@
 </p:sld>
 </file>
 
-<file path=ppt/slides/slide4.xml><?xml version="1.0" encoding="utf-8"?>
+<file path=ppt/slides/slide5.xml><?xml version="1.0" encoding="utf-8"?>
 <p:sld xmlns:a="http://schemas.openxmlformats.org/drawingml/2006/main" xmlns:r="http://schemas.openxmlformats.org/officeDocument/2006/relationships" xmlns:p="http://schemas.openxmlformats.org/presentationml/2006/main">
   <p:cSld>
     <p:spTree>
@@ -4177,7 +4727,7 @@
         <p:spPr>
           <a:xfrm>
             <a:off x="2133600" y="692727"/>
-            <a:ext cx="6151418" cy="369332"/>
+            <a:ext cx="6151418" cy="4247317"/>
           </a:xfrm>
           <a:prstGeom prst="rect">
             <a:avLst/>
@@ -4192,7 +4742,127 @@
           <a:p>
             <a:r>
               <a:rPr lang="en-CH" dirty="0"/>
-              <a:t>Final Plot + resultate + implications &amp; Methode  </a:t>
+              <a:t>Final Plot </a:t>
+            </a:r>
+          </a:p>
+          <a:p>
+            <a:endParaRPr lang="en-CH" dirty="0"/>
+          </a:p>
+          <a:p>
+            <a:endParaRPr lang="en-CH" dirty="0"/>
+          </a:p>
+          <a:p>
+            <a:r>
+              <a:rPr lang="en-US" dirty="0">
+                <a:latin typeface="Calibri" panose="020F0502020204030204" pitchFamily="34" charset="0"/>
+                <a:sym typeface="Wingdings" pitchFamily="2" charset="2"/>
+              </a:rPr>
+              <a:t>3) Computation of </a:t>
+            </a:r>
+            <a:r>
+              <a:rPr lang="en-US" dirty="0" err="1">
+                <a:latin typeface="Calibri" panose="020F0502020204030204" pitchFamily="34" charset="0"/>
+                <a:sym typeface="Wingdings" pitchFamily="2" charset="2"/>
+              </a:rPr>
+              <a:t>porportions</a:t>
+            </a:r>
+            <a:r>
+              <a:rPr lang="en-US" dirty="0">
+                <a:latin typeface="Calibri" panose="020F0502020204030204" pitchFamily="34" charset="0"/>
+                <a:sym typeface="Wingdings" pitchFamily="2" charset="2"/>
+              </a:rPr>
+              <a:t> and deltas </a:t>
+            </a:r>
+            <a:endParaRPr lang="en-CH" dirty="0">
+              <a:sym typeface="Wingdings" pitchFamily="2" charset="2"/>
+            </a:endParaRPr>
+          </a:p>
+          <a:p>
+            <a:pPr marL="285750" indent="-285750">
+              <a:buFont typeface="Arial" panose="020B0604020202020204" pitchFamily="34" charset="0"/>
+              <a:buChar char="•"/>
+            </a:pPr>
+            <a:r>
+              <a:rPr lang="en-CH" sz="1800" dirty="0">
+                <a:effectLst/>
+                <a:latin typeface="Calibri" panose="020F0502020204030204" pitchFamily="34" charset="0"/>
+                <a:ea typeface="Times New Roman" panose="02020603050405020304" pitchFamily="18" charset="0"/>
+              </a:rPr>
+              <a:t>We evaluated 14 different services and calculated the percentage of passengers who were satisfied or very satisfied (rated 4 or 5 on a scale) in </a:t>
+            </a:r>
+            <a:r>
+              <a:rPr lang="en-US" sz="1800" dirty="0">
+                <a:effectLst/>
+                <a:latin typeface="Calibri" panose="020F0502020204030204" pitchFamily="34" charset="0"/>
+                <a:ea typeface="Times New Roman" panose="02020603050405020304" pitchFamily="18" charset="0"/>
+              </a:rPr>
+              <a:t>this two</a:t>
+            </a:r>
+            <a:r>
+              <a:rPr lang="en-CH" sz="1800" dirty="0">
+                <a:effectLst/>
+                <a:latin typeface="Calibri" panose="020F0502020204030204" pitchFamily="34" charset="0"/>
+                <a:ea typeface="Times New Roman" panose="02020603050405020304" pitchFamily="18" charset="0"/>
+              </a:rPr>
+              <a:t> class</a:t>
+            </a:r>
+            <a:r>
+              <a:rPr lang="en-US" sz="1800" dirty="0">
+                <a:effectLst/>
+                <a:latin typeface="Calibri" panose="020F0502020204030204" pitchFamily="34" charset="0"/>
+                <a:ea typeface="Times New Roman" panose="02020603050405020304" pitchFamily="18" charset="0"/>
+              </a:rPr>
+              <a:t>es</a:t>
+            </a:r>
+            <a:r>
+              <a:rPr lang="en-CH" sz="1800" dirty="0">
+                <a:effectLst/>
+                <a:latin typeface="Calibri" panose="020F0502020204030204" pitchFamily="34" charset="0"/>
+                <a:ea typeface="Times New Roman" panose="02020603050405020304" pitchFamily="18" charset="0"/>
+              </a:rPr>
+              <a:t>. Then, we c</a:t>
+            </a:r>
+            <a:r>
+              <a:rPr lang="en-CH" sz="1800" u="sng" dirty="0">
+                <a:effectLst/>
+                <a:latin typeface="Calibri" panose="020F0502020204030204" pitchFamily="34" charset="0"/>
+                <a:ea typeface="Times New Roman" panose="02020603050405020304" pitchFamily="18" charset="0"/>
+              </a:rPr>
+              <a:t>ompared</a:t>
+            </a:r>
+            <a:r>
+              <a:rPr lang="en-CH" sz="1800" dirty="0">
+                <a:effectLst/>
+                <a:latin typeface="Calibri" panose="020F0502020204030204" pitchFamily="34" charset="0"/>
+                <a:ea typeface="Times New Roman" panose="02020603050405020304" pitchFamily="18" charset="0"/>
+              </a:rPr>
+              <a:t> the proportions between economy and business class for each service to identify the largest differences.</a:t>
+            </a:r>
+            <a:endParaRPr lang="en-CH" sz="1800" dirty="0">
+              <a:effectLst/>
+              <a:latin typeface="Times New Roman" panose="02020603050405020304" pitchFamily="18" charset="0"/>
+              <a:ea typeface="Times New Roman" panose="02020603050405020304" pitchFamily="18" charset="0"/>
+            </a:endParaRPr>
+          </a:p>
+          <a:p>
+            <a:endParaRPr lang="en-CH" dirty="0"/>
+          </a:p>
+          <a:p>
+            <a:r>
+              <a:rPr lang="en-CH" dirty="0"/>
+              <a:t>Plot erklären wie er aufgebaut ist </a:t>
+            </a:r>
+          </a:p>
+          <a:p>
+            <a:endParaRPr lang="en-CH" dirty="0"/>
+          </a:p>
+          <a:p>
+            <a:endParaRPr lang="en-CH" dirty="0"/>
+          </a:p>
+          <a:p>
+            <a:r>
+              <a:rPr lang="en-CH" dirty="0"/>
+              <a:t> resultate + implications &amp; Methode  </a:t>
             </a:r>
           </a:p>
         </p:txBody>
@@ -4210,7 +4880,7 @@
 </p:sld>
 </file>
 
-<file path=ppt/slides/slide5.xml><?xml version="1.0" encoding="utf-8"?>
+<file path=ppt/slides/slide6.xml><?xml version="1.0" encoding="utf-8"?>
 <p:sld xmlns:a="http://schemas.openxmlformats.org/drawingml/2006/main" xmlns:r="http://schemas.openxmlformats.org/officeDocument/2006/relationships" xmlns:p="http://schemas.openxmlformats.org/presentationml/2006/main">
   <p:cSld>
     <p:spTree>
